--- a/RE Presentation v2.pptx
+++ b/RE Presentation v2.pptx
@@ -14,6 +14,7 @@
     <p:sldId id="264" r:id="rId8"/>
     <p:sldId id="266" r:id="rId9"/>
     <p:sldId id="267" r:id="rId10"/>
+    <p:sldId id="269" r:id="rId11"/>
   </p:sldIdLst>
   <p:sldSz cx="12192000" cy="6858000"/>
   <p:notesSz cx="6858000" cy="9144000"/>
@@ -13993,6 +13994,69 @@
 </p:sld>
 </file>
 
+<file path=ppt/slides/slide10.xml><?xml version="1.0" encoding="utf-8"?>
+<p:sld xmlns:a="http://schemas.openxmlformats.org/drawingml/2006/main" xmlns:r="http://schemas.openxmlformats.org/officeDocument/2006/relationships" xmlns:p="http://schemas.openxmlformats.org/presentationml/2006/main">
+  <p:cSld>
+    <p:spTree>
+      <p:nvGrpSpPr>
+        <p:cNvPr id="1" name=""/>
+        <p:cNvGrpSpPr/>
+        <p:nvPr/>
+      </p:nvGrpSpPr>
+      <p:grpSpPr>
+        <a:xfrm>
+          <a:off x="0" y="0"/>
+          <a:ext cx="0" cy="0"/>
+          <a:chOff x="0" y="0"/>
+          <a:chExt cx="0" cy="0"/>
+        </a:xfrm>
+      </p:grpSpPr>
+      <p:sp>
+        <p:nvSpPr>
+          <p:cNvPr id="2" name="Title 1">
+            <a:extLst>
+              <a:ext uri="{FF2B5EF4-FFF2-40B4-BE49-F238E27FC236}">
+                <a16:creationId xmlns:a16="http://schemas.microsoft.com/office/drawing/2014/main" id="{E49A6CE3-F721-4951-81CF-3931197FFC88}"/>
+              </a:ext>
+            </a:extLst>
+          </p:cNvPr>
+          <p:cNvSpPr>
+            <a:spLocks noGrp="1"/>
+          </p:cNvSpPr>
+          <p:nvPr>
+            <p:ph type="title"/>
+          </p:nvPr>
+        </p:nvSpPr>
+        <p:spPr>
+          <a:xfrm>
+            <a:off x="2231136" y="2834640"/>
+            <a:ext cx="7729728" cy="1188720"/>
+          </a:xfrm>
+        </p:spPr>
+        <p:txBody>
+          <a:bodyPr/>
+          <a:lstStyle/>
+          <a:p>
+            <a:r>
+              <a:rPr lang="en-SG" dirty="0"/>
+              <a:t>Thank you</a:t>
+            </a:r>
+          </a:p>
+        </p:txBody>
+      </p:sp>
+    </p:spTree>
+    <p:extLst>
+      <p:ext uri="{BB962C8B-B14F-4D97-AF65-F5344CB8AC3E}">
+        <p14:creationId xmlns:p14="http://schemas.microsoft.com/office/powerpoint/2010/main" val="2046578139"/>
+      </p:ext>
+    </p:extLst>
+  </p:cSld>
+  <p:clrMapOvr>
+    <a:masterClrMapping/>
+  </p:clrMapOvr>
+</p:sld>
+</file>
+
 <file path=ppt/slides/slide2.xml><?xml version="1.0" encoding="utf-8"?>
 <p:sld xmlns:a="http://schemas.openxmlformats.org/drawingml/2006/main" xmlns:r="http://schemas.openxmlformats.org/officeDocument/2006/relationships" xmlns:p="http://schemas.openxmlformats.org/presentationml/2006/main">
   <p:cSld>
@@ -14706,9 +14770,10 @@
           <a:lstStyle/>
           <a:p>
             <a:r>
-              <a:rPr lang="en-SG" dirty="0"/>
+              <a:rPr lang="en-SG"/>
               <a:t>Research process</a:t>
             </a:r>
+            <a:endParaRPr lang="en-SG" dirty="0"/>
           </a:p>
         </p:txBody>
       </p:sp>

--- a/RE Presentation v2.pptx
+++ b/RE Presentation v2.pptx
@@ -15342,7 +15342,11 @@
           <a:p>
             <a:pPr algn="ctr"/>
             <a:r>
-              <a:rPr lang="en-SG" dirty="0"/>
+              <a:rPr lang="en-SG" dirty="0">
+                <a:solidFill>
+                  <a:schemeClr val="bg1"/>
+                </a:solidFill>
+              </a:rPr>
               <a:t>Refer to extraction_markdown.html for code</a:t>
             </a:r>
           </a:p>
@@ -15685,7 +15689,7 @@
         <p:spPr>
           <a:xfrm>
             <a:off x="7610113" y="6472502"/>
-            <a:ext cx="4657725" cy="369332"/>
+            <a:ext cx="4657725" cy="646331"/>
           </a:xfrm>
           <a:prstGeom prst="rect">
             <a:avLst/>
@@ -15701,7 +15705,7 @@
             <a:pPr algn="ctr"/>
             <a:r>
               <a:rPr lang="en-SG" dirty="0"/>
-              <a:t>Refer to compression_markdown.html for code</a:t>
+              <a:t>Refer to compression_markdown_test.html for code</a:t>
             </a:r>
           </a:p>
         </p:txBody>
@@ -16059,6 +16063,46 @@
           </a:prstGeom>
         </p:spPr>
       </p:pic>
+      <p:sp>
+        <p:nvSpPr>
+          <p:cNvPr id="7" name="TextBox 6">
+            <a:extLst>
+              <a:ext uri="{FF2B5EF4-FFF2-40B4-BE49-F238E27FC236}">
+                <a16:creationId xmlns:a16="http://schemas.microsoft.com/office/drawing/2014/main" id="{36935F8D-E9E1-4736-9FB8-16109295B3BD}"/>
+              </a:ext>
+            </a:extLst>
+          </p:cNvPr>
+          <p:cNvSpPr txBox="1"/>
+          <p:nvPr/>
+        </p:nvSpPr>
+        <p:spPr>
+          <a:xfrm>
+            <a:off x="7534275" y="6425683"/>
+            <a:ext cx="4657725" cy="369332"/>
+          </a:xfrm>
+          <a:prstGeom prst="rect">
+            <a:avLst/>
+          </a:prstGeom>
+          <a:noFill/>
+        </p:spPr>
+        <p:txBody>
+          <a:bodyPr wrap="square" rtlCol="0">
+            <a:spAutoFit/>
+          </a:bodyPr>
+          <a:lstStyle/>
+          <a:p>
+            <a:pPr algn="ctr"/>
+            <a:r>
+              <a:rPr lang="en-SG" dirty="0">
+                <a:solidFill>
+                  <a:schemeClr val="bg1"/>
+                </a:solidFill>
+              </a:rPr>
+              <a:t>Refer to extraction_markdown.html for code</a:t>
+            </a:r>
+          </a:p>
+        </p:txBody>
+      </p:sp>
     </p:spTree>
     <p:extLst>
       <p:ext uri="{BB962C8B-B14F-4D97-AF65-F5344CB8AC3E}">
